--- a/Project Deck.pptx
+++ b/Project Deck.pptx
@@ -206,7 +206,7 @@
           <a:p>
             <a:fld id="{0EC25DDA-832D-4AE4-9AFC-0022346E41D5}" type="datetimeFigureOut">
               <a:rPr lang="en-US" smtClean="0"/>
-              <a:t>12/8/2021</a:t>
+              <a:t>12/10/2021</a:t>
             </a:fld>
             <a:endParaRPr lang="en-US"/>
           </a:p>
@@ -2166,7 +2166,7 @@
                 <a:ea typeface="Calibri" panose="020F0502020204030204" pitchFamily="34" charset="0"/>
                 <a:cs typeface="Times New Roman" panose="02020603050405020304" pitchFamily="18" charset="0"/>
               </a:rPr>
-              <a:t>Over the dataset as a whole, 18 of the 54 models achieved an ROC score greater than 50%, which is a good threshold to use for the stock market. </a:t>
+              <a:t>On every window overall, 18 of the 54 models achieved an ROC score greater than 50%, which is a good threshold to use for the stock market. </a:t>
             </a:r>
           </a:p>
           <a:p>
@@ -2181,15 +2181,12 @@
                 <a:spcPts val="1000"/>
               </a:spcAft>
             </a:pPr>
-            <a:r>
-              <a:rPr lang="en-US" sz="1200" dirty="0">
-                <a:effectLst/>
-                <a:latin typeface="Calibri" panose="020F0502020204030204" pitchFamily="34" charset="0"/>
-                <a:ea typeface="Calibri" panose="020F0502020204030204" pitchFamily="34" charset="0"/>
-                <a:cs typeface="Times New Roman" panose="02020603050405020304" pitchFamily="18" charset="0"/>
-              </a:rPr>
-              <a:t>I also evaluated each model on every one of the 35 different 30-minute trading windows of the week.  </a:t>
-            </a:r>
+            <a:endParaRPr lang="en-US" sz="1200" dirty="0">
+              <a:effectLst/>
+              <a:latin typeface="Calibri" panose="020F0502020204030204" pitchFamily="34" charset="0"/>
+              <a:ea typeface="Calibri" panose="020F0502020204030204" pitchFamily="34" charset="0"/>
+              <a:cs typeface="Times New Roman" panose="02020603050405020304" pitchFamily="18" charset="0"/>
+            </a:endParaRPr>
           </a:p>
           <a:p>
             <a:pPr marL="0" marR="0">
@@ -2210,7 +2207,7 @@
                 <a:ea typeface="Calibri" panose="020F0502020204030204" pitchFamily="34" charset="0"/>
                 <a:cs typeface="Times New Roman" panose="02020603050405020304" pitchFamily="18" charset="0"/>
               </a:rPr>
-              <a:t>Evaluating the models on individual trading windows showed that some models perform very well in a more granular view.</a:t>
+              <a:t>Investing in these 18 ETFs according to their model predictions gives a weekly average return of 0.02%, compared to a -0.04% passive return</a:t>
             </a:r>
           </a:p>
           <a:p>
@@ -2225,15 +2222,12 @@
                 <a:spcPts val="1000"/>
               </a:spcAft>
             </a:pPr>
-            <a:r>
-              <a:rPr lang="en-US" sz="1200" dirty="0">
-                <a:effectLst/>
-                <a:latin typeface="Calibri" panose="020F0502020204030204" pitchFamily="34" charset="0"/>
-                <a:ea typeface="Calibri" panose="020F0502020204030204" pitchFamily="34" charset="0"/>
-                <a:cs typeface="Times New Roman" panose="02020603050405020304" pitchFamily="18" charset="0"/>
-              </a:rPr>
-              <a:t>For example, the ETF with symbol TQQQ achieved an ROC score of 90% for the window at 1:30 on Tuesdays.</a:t>
-            </a:r>
+            <a:endParaRPr lang="en-US" sz="1200" dirty="0">
+              <a:effectLst/>
+              <a:latin typeface="Calibri" panose="020F0502020204030204" pitchFamily="34" charset="0"/>
+              <a:ea typeface="Calibri" panose="020F0502020204030204" pitchFamily="34" charset="0"/>
+              <a:cs typeface="Times New Roman" panose="02020603050405020304" pitchFamily="18" charset="0"/>
+            </a:endParaRPr>
           </a:p>
           <a:p>
             <a:pPr marL="0" marR="0">
@@ -2254,7 +2248,7 @@
                 <a:ea typeface="Calibri" panose="020F0502020204030204" pitchFamily="34" charset="0"/>
                 <a:cs typeface="Times New Roman" panose="02020603050405020304" pitchFamily="18" charset="0"/>
               </a:rPr>
-              <a:t>I also created a Dash application to visualize the results.   Interacting with it shows different windows and their ROC scores and investment returns. </a:t>
+              <a:t>I also evaluated each model on every one of the 35 different 30-minute trading windows of the week.  </a:t>
             </a:r>
           </a:p>
           <a:p>
@@ -2269,6 +2263,25 @@
                 <a:spcPts val="1000"/>
               </a:spcAft>
             </a:pPr>
+            <a:endParaRPr lang="en-US" sz="1200" dirty="0">
+              <a:effectLst/>
+              <a:latin typeface="Calibri" panose="020F0502020204030204" pitchFamily="34" charset="0"/>
+              <a:ea typeface="Calibri" panose="020F0502020204030204" pitchFamily="34" charset="0"/>
+              <a:cs typeface="Times New Roman" panose="02020603050405020304" pitchFamily="18" charset="0"/>
+            </a:endParaRPr>
+          </a:p>
+          <a:p>
+            <a:pPr marL="0" marR="0">
+              <a:lnSpc>
+                <a:spcPct val="115000"/>
+              </a:lnSpc>
+              <a:spcBef>
+                <a:spcPts val="0"/>
+              </a:spcBef>
+              <a:spcAft>
+                <a:spcPts val="1000"/>
+              </a:spcAft>
+            </a:pPr>
             <a:r>
               <a:rPr lang="en-US" sz="1200" dirty="0">
                 <a:effectLst/>
@@ -2276,10 +2289,40 @@
                 <a:ea typeface="Calibri" panose="020F0502020204030204" pitchFamily="34" charset="0"/>
                 <a:cs typeface="Times New Roman" panose="02020603050405020304" pitchFamily="18" charset="0"/>
               </a:rPr>
-              <a:t>One example strategy includes investing in each stock and window pair that achieved an ROC Score over 80%.  This strategy had an average weekly return of 4.63%.  The passive return for this same strategy is just -0.06% per week. </a:t>
-            </a:r>
-          </a:p>
-          <a:p>
+              <a:t>Evaluating the models on individual trading windows showed that some models perform very well in a more granular view.</a:t>
+            </a:r>
+          </a:p>
+          <a:p>
+            <a:pPr marL="0" marR="0">
+              <a:lnSpc>
+                <a:spcPct val="115000"/>
+              </a:lnSpc>
+              <a:spcBef>
+                <a:spcPts val="0"/>
+              </a:spcBef>
+              <a:spcAft>
+                <a:spcPts val="1000"/>
+              </a:spcAft>
+            </a:pPr>
+            <a:endParaRPr lang="en-US" sz="1200" dirty="0">
+              <a:effectLst/>
+              <a:latin typeface="Calibri" panose="020F0502020204030204" pitchFamily="34" charset="0"/>
+              <a:ea typeface="Calibri" panose="020F0502020204030204" pitchFamily="34" charset="0"/>
+              <a:cs typeface="Times New Roman" panose="02020603050405020304" pitchFamily="18" charset="0"/>
+            </a:endParaRPr>
+          </a:p>
+          <a:p>
+            <a:pPr marL="0" marR="0">
+              <a:lnSpc>
+                <a:spcPct val="115000"/>
+              </a:lnSpc>
+              <a:spcBef>
+                <a:spcPts val="0"/>
+              </a:spcBef>
+              <a:spcAft>
+                <a:spcPts val="1000"/>
+              </a:spcAft>
+            </a:pPr>
             <a:r>
               <a:rPr lang="en-US" sz="1200" dirty="0">
                 <a:effectLst/>
@@ -2287,9 +2330,80 @@
                 <a:ea typeface="Calibri" panose="020F0502020204030204" pitchFamily="34" charset="0"/>
                 <a:cs typeface="Times New Roman" panose="02020603050405020304" pitchFamily="18" charset="0"/>
               </a:rPr>
+              <a:t>I also created a Dash application to visualize the results.   Interacting with it shows different windows and their ROC scores and investment returns. </a:t>
+            </a:r>
+          </a:p>
+          <a:p>
+            <a:pPr marL="0" marR="0">
+              <a:lnSpc>
+                <a:spcPct val="115000"/>
+              </a:lnSpc>
+              <a:spcBef>
+                <a:spcPts val="0"/>
+              </a:spcBef>
+              <a:spcAft>
+                <a:spcPts val="1000"/>
+              </a:spcAft>
+            </a:pPr>
+            <a:endParaRPr lang="en-US" sz="1200" dirty="0">
+              <a:effectLst/>
+              <a:latin typeface="Calibri" panose="020F0502020204030204" pitchFamily="34" charset="0"/>
+              <a:ea typeface="Calibri" panose="020F0502020204030204" pitchFamily="34" charset="0"/>
+              <a:cs typeface="Times New Roman" panose="02020603050405020304" pitchFamily="18" charset="0"/>
+            </a:endParaRPr>
+          </a:p>
+          <a:p>
+            <a:pPr marL="0" marR="0">
+              <a:lnSpc>
+                <a:spcPct val="115000"/>
+              </a:lnSpc>
+              <a:spcBef>
+                <a:spcPts val="0"/>
+              </a:spcBef>
+              <a:spcAft>
+                <a:spcPts val="1000"/>
+              </a:spcAft>
+            </a:pPr>
+            <a:r>
+              <a:rPr lang="en-US" sz="1200" dirty="0">
+                <a:effectLst/>
+                <a:latin typeface="Calibri" panose="020F0502020204030204" pitchFamily="34" charset="0"/>
+                <a:ea typeface="Calibri" panose="020F0502020204030204" pitchFamily="34" charset="0"/>
+                <a:cs typeface="Times New Roman" panose="02020603050405020304" pitchFamily="18" charset="0"/>
+              </a:rPr>
+              <a:t>One example strategy includes investing in each stock and window pair that achieved an ROC Score over 80%.  This strategy had an average weekly return of 4.63%.  The passive return for this same strategy is just -0.06% per week. </a:t>
+            </a:r>
+          </a:p>
+          <a:p>
+            <a:pPr marL="0" marR="0">
+              <a:lnSpc>
+                <a:spcPct val="115000"/>
+              </a:lnSpc>
+              <a:spcBef>
+                <a:spcPts val="0"/>
+              </a:spcBef>
+              <a:spcAft>
+                <a:spcPts val="1000"/>
+              </a:spcAft>
+            </a:pPr>
+            <a:endParaRPr lang="en-US" sz="1200" dirty="0">
+              <a:effectLst/>
+              <a:latin typeface="Calibri" panose="020F0502020204030204" pitchFamily="34" charset="0"/>
+              <a:ea typeface="Calibri" panose="020F0502020204030204" pitchFamily="34" charset="0"/>
+              <a:cs typeface="Times New Roman" panose="02020603050405020304" pitchFamily="18" charset="0"/>
+            </a:endParaRPr>
+          </a:p>
+          <a:p>
+            <a:r>
+              <a:rPr lang="en-US" sz="1200">
+                <a:effectLst/>
+                <a:latin typeface="Calibri" panose="020F0502020204030204" pitchFamily="34" charset="0"/>
+                <a:ea typeface="Calibri" panose="020F0502020204030204" pitchFamily="34" charset="0"/>
+                <a:cs typeface="Times New Roman" panose="02020603050405020304" pitchFamily="18" charset="0"/>
+              </a:rPr>
               <a:t>Interacting with the dashboard shows several other profitable strategies</a:t>
             </a:r>
-            <a:endParaRPr lang="en-US" dirty="0"/>
+            <a:endParaRPr lang="en-US"/>
           </a:p>
           <a:p>
             <a:endParaRPr lang="en-US" dirty="0"/>
@@ -2751,7 +2865,7 @@
           <a:p>
             <a:fld id="{F0C905CD-EA2D-4B15-9A99-C281A7CECA39}" type="datetimeFigureOut">
               <a:rPr lang="en-US" smtClean="0"/>
-              <a:t>12/8/2021</a:t>
+              <a:t>12/10/2021</a:t>
             </a:fld>
             <a:endParaRPr lang="en-US"/>
           </a:p>
@@ -2939,7 +3053,7 @@
           <a:p>
             <a:fld id="{F0C905CD-EA2D-4B15-9A99-C281A7CECA39}" type="datetimeFigureOut">
               <a:rPr lang="en-US" smtClean="0"/>
-              <a:t>12/8/2021</a:t>
+              <a:t>12/10/2021</a:t>
             </a:fld>
             <a:endParaRPr lang="en-US"/>
           </a:p>
@@ -3181,7 +3295,7 @@
           <a:p>
             <a:fld id="{F0C905CD-EA2D-4B15-9A99-C281A7CECA39}" type="datetimeFigureOut">
               <a:rPr lang="en-US" smtClean="0"/>
-              <a:t>12/8/2021</a:t>
+              <a:t>12/10/2021</a:t>
             </a:fld>
             <a:endParaRPr lang="en-US"/>
           </a:p>
@@ -3369,7 +3483,7 @@
           <a:p>
             <a:fld id="{F0C905CD-EA2D-4B15-9A99-C281A7CECA39}" type="datetimeFigureOut">
               <a:rPr lang="en-US" smtClean="0"/>
-              <a:t>12/8/2021</a:t>
+              <a:t>12/10/2021</a:t>
             </a:fld>
             <a:endParaRPr lang="en-US"/>
           </a:p>
@@ -3742,7 +3856,7 @@
           <a:p>
             <a:fld id="{F0C905CD-EA2D-4B15-9A99-C281A7CECA39}" type="datetimeFigureOut">
               <a:rPr lang="en-US" smtClean="0"/>
-              <a:t>12/8/2021</a:t>
+              <a:t>12/10/2021</a:t>
             </a:fld>
             <a:endParaRPr lang="en-US"/>
           </a:p>
@@ -3997,7 +4111,7 @@
           <a:p>
             <a:fld id="{F0C905CD-EA2D-4B15-9A99-C281A7CECA39}" type="datetimeFigureOut">
               <a:rPr lang="en-US" smtClean="0"/>
-              <a:t>12/8/2021</a:t>
+              <a:t>12/10/2021</a:t>
             </a:fld>
             <a:endParaRPr lang="en-US"/>
           </a:p>
@@ -4394,7 +4508,7 @@
           <a:p>
             <a:fld id="{F0C905CD-EA2D-4B15-9A99-C281A7CECA39}" type="datetimeFigureOut">
               <a:rPr lang="en-US" smtClean="0"/>
-              <a:t>12/8/2021</a:t>
+              <a:t>12/10/2021</a:t>
             </a:fld>
             <a:endParaRPr lang="en-US"/>
           </a:p>
@@ -4530,7 +4644,7 @@
           <a:p>
             <a:fld id="{F0C905CD-EA2D-4B15-9A99-C281A7CECA39}" type="datetimeFigureOut">
               <a:rPr lang="en-US" smtClean="0"/>
-              <a:t>12/8/2021</a:t>
+              <a:t>12/10/2021</a:t>
             </a:fld>
             <a:endParaRPr lang="en-US"/>
           </a:p>
@@ -4687,7 +4801,7 @@
           <a:p>
             <a:fld id="{F0C905CD-EA2D-4B15-9A99-C281A7CECA39}" type="datetimeFigureOut">
               <a:rPr lang="en-US" smtClean="0"/>
-              <a:t>12/8/2021</a:t>
+              <a:t>12/10/2021</a:t>
             </a:fld>
             <a:endParaRPr lang="en-US"/>
           </a:p>
@@ -5016,7 +5130,7 @@
           <a:p>
             <a:fld id="{F0C905CD-EA2D-4B15-9A99-C281A7CECA39}" type="datetimeFigureOut">
               <a:rPr lang="en-US" smtClean="0"/>
-              <a:t>12/8/2021</a:t>
+              <a:t>12/10/2021</a:t>
             </a:fld>
             <a:endParaRPr lang="en-US"/>
           </a:p>
@@ -5365,7 +5479,7 @@
           <a:p>
             <a:fld id="{F0C905CD-EA2D-4B15-9A99-C281A7CECA39}" type="datetimeFigureOut">
               <a:rPr lang="en-US" smtClean="0"/>
-              <a:t>12/8/2021</a:t>
+              <a:t>12/10/2021</a:t>
             </a:fld>
             <a:endParaRPr lang="en-US"/>
           </a:p>
@@ -5625,7 +5739,7 @@
           <a:p>
             <a:fld id="{F0C905CD-EA2D-4B15-9A99-C281A7CECA39}" type="datetimeFigureOut">
               <a:rPr lang="en-US" smtClean="0"/>
-              <a:t>12/8/2021</a:t>
+              <a:t>12/10/2021</a:t>
             </a:fld>
             <a:endParaRPr lang="en-US"/>
           </a:p>
@@ -7839,6 +7953,17 @@
             </a:r>
           </a:p>
           <a:p>
+            <a:pPr lvl="1"/>
+            <a:r>
+              <a:rPr lang="en-US" sz="2000" dirty="0">
+                <a:solidFill>
+                  <a:schemeClr val="tx1"/>
+                </a:solidFill>
+              </a:rPr>
+              <a:t>These models return 0.02% weekly (passive return = -0.04%)</a:t>
+            </a:r>
+          </a:p>
+          <a:p>
             <a:r>
               <a:rPr lang="en-US" sz="2400" dirty="0">
                 <a:solidFill>
@@ -7862,31 +7987,20 @@
           <a:p>
             <a:pPr lvl="1"/>
             <a:r>
+              <a:rPr lang="en-US" sz="2000" dirty="0" err="1">
+                <a:solidFill>
+                  <a:schemeClr val="tx1"/>
+                </a:solidFill>
+              </a:rPr>
+              <a:t>Plotly</a:t>
+            </a:r>
+            <a:r>
               <a:rPr lang="en-US" sz="2000" dirty="0">
                 <a:solidFill>
                   <a:schemeClr val="tx1"/>
                 </a:solidFill>
               </a:rPr>
-              <a:t>For Example:  The ETF “TQQQ” has an ROC score of 90% for the 30-minute window starting on Tuesday at 1:30 PM.  </a:t>
-            </a:r>
-          </a:p>
-          <a:p>
-            <a:pPr lvl="1"/>
-            <a:r>
-              <a:rPr lang="en-US" sz="2000" dirty="0" err="1">
-                <a:solidFill>
-                  <a:schemeClr val="tx1"/>
-                </a:solidFill>
-              </a:rPr>
-              <a:t>Plotly</a:t>
-            </a:r>
-            <a:r>
-              <a:rPr lang="en-US" sz="2000" dirty="0">
-                <a:solidFill>
-                  <a:schemeClr val="tx1"/>
-                </a:solidFill>
-              </a:rPr>
-              <a:t> Dash Application – Slice and Dice the data table to find profitable patterns.</a:t>
+              <a:t> Dash Application – slice and dice the data table to find profitable patterns.</a:t>
             </a:r>
           </a:p>
           <a:p>
@@ -7924,16 +8038,8 @@
                   <a:schemeClr val="tx1"/>
                 </a:solidFill>
               </a:rPr>
-              <a:t>Average weekly return of 4.63% - or 954% annually.</a:t>
-            </a:r>
-          </a:p>
-          <a:p>
-            <a:pPr lvl="1"/>
-            <a:endParaRPr lang="en-US" sz="2000" dirty="0">
-              <a:solidFill>
-                <a:schemeClr val="tx1"/>
-              </a:solidFill>
-            </a:endParaRPr>
+              <a:t>Average weekly return of 4.63%  (passive return = -0.06%).</a:t>
+            </a:r>
           </a:p>
         </p:txBody>
       </p:sp>
